--- a/Buildathon.pptx
+++ b/Buildathon.pptx
@@ -3576,6 +3576,82 @@
               </a:rPr>
               <a:t>Track and question details</a:t>
             </a:r>
+          </a:p>
+        </p:txBody>
+      </p:sp>
+      <p:sp>
+        <p:nvSpPr>
+          <p:cNvPr id="11" name="TextBox 10">
+            <a:extLst>
+              <a:ext uri="{FF2B5EF4-FFF2-40B4-BE49-F238E27FC236}">
+                <a16:creationId xmlns:a16="http://schemas.microsoft.com/office/drawing/2014/main" id="{09CB8B62-7FE5-79EC-A847-4E9F5145B1C3}"/>
+              </a:ext>
+            </a:extLst>
+          </p:cNvPr>
+          <p:cNvSpPr txBox="1"/>
+          <p:nvPr/>
+        </p:nvSpPr>
+        <p:spPr>
+          <a:xfrm>
+            <a:off x="12268200" y="6779865"/>
+            <a:ext cx="4548040" cy="1200329"/>
+          </a:xfrm>
+          <a:prstGeom prst="rect">
+            <a:avLst/>
+          </a:prstGeom>
+          <a:noFill/>
+        </p:spPr>
+        <p:txBody>
+          <a:bodyPr wrap="none" rtlCol="0">
+            <a:spAutoFit/>
+          </a:bodyPr>
+          <a:lstStyle/>
+          <a:p>
+            <a:r>
+              <a:rPr lang="en-US" sz="7200" dirty="0">
+                <a:hlinkClick r:id="rId8"/>
+              </a:rPr>
+              <a:t>GitHub Link</a:t>
+            </a:r>
+            <a:endParaRPr lang="en-US" sz="7200" dirty="0"/>
+          </a:p>
+        </p:txBody>
+      </p:sp>
+      <p:sp>
+        <p:nvSpPr>
+          <p:cNvPr id="12" name="TextBox 11">
+            <a:extLst>
+              <a:ext uri="{FF2B5EF4-FFF2-40B4-BE49-F238E27FC236}">
+                <a16:creationId xmlns:a16="http://schemas.microsoft.com/office/drawing/2014/main" id="{3C251288-D3C6-84D9-BF7F-78AE50269601}"/>
+              </a:ext>
+            </a:extLst>
+          </p:cNvPr>
+          <p:cNvSpPr txBox="1"/>
+          <p:nvPr/>
+        </p:nvSpPr>
+        <p:spPr>
+          <a:xfrm>
+            <a:off x="12444883" y="7944128"/>
+            <a:ext cx="4194674" cy="769441"/>
+          </a:xfrm>
+          <a:prstGeom prst="rect">
+            <a:avLst/>
+          </a:prstGeom>
+          <a:noFill/>
+        </p:spPr>
+        <p:txBody>
+          <a:bodyPr wrap="none" rtlCol="0">
+            <a:spAutoFit/>
+          </a:bodyPr>
+          <a:lstStyle/>
+          <a:p>
+            <a:r>
+              <a:rPr lang="en-US" sz="4400" dirty="0">
+                <a:hlinkClick r:id="rId9"/>
+              </a:rPr>
+              <a:t>Google Drive Link</a:t>
+            </a:r>
+            <a:endParaRPr lang="en-US" sz="4400" dirty="0"/>
           </a:p>
         </p:txBody>
       </p:sp>
